--- a/01_Requirements/Mockups.pptx
+++ b/01_Requirements/Mockups.pptx
@@ -264,7 +264,7 @@
           <a:p>
             <a:fld id="{A6FB7CFD-747D-4264-AF0B-13DB19625258}" type="datetimeFigureOut">
               <a:rPr lang="en-IN" smtClean="0"/>
-              <a:t>05-Mar-2022</a:t>
+              <a:t>09-03-2022</a:t>
             </a:fld>
             <a:endParaRPr lang="en-IN"/>
           </a:p>
@@ -464,7 +464,7 @@
           <a:p>
             <a:fld id="{A6FB7CFD-747D-4264-AF0B-13DB19625258}" type="datetimeFigureOut">
               <a:rPr lang="en-IN" smtClean="0"/>
-              <a:t>05-Mar-2022</a:t>
+              <a:t>09-03-2022</a:t>
             </a:fld>
             <a:endParaRPr lang="en-IN"/>
           </a:p>
@@ -674,7 +674,7 @@
           <a:p>
             <a:fld id="{A6FB7CFD-747D-4264-AF0B-13DB19625258}" type="datetimeFigureOut">
               <a:rPr lang="en-IN" smtClean="0"/>
-              <a:t>05-Mar-2022</a:t>
+              <a:t>09-03-2022</a:t>
             </a:fld>
             <a:endParaRPr lang="en-IN"/>
           </a:p>
@@ -874,7 +874,7 @@
           <a:p>
             <a:fld id="{A6FB7CFD-747D-4264-AF0B-13DB19625258}" type="datetimeFigureOut">
               <a:rPr lang="en-IN" smtClean="0"/>
-              <a:t>05-Mar-2022</a:t>
+              <a:t>09-03-2022</a:t>
             </a:fld>
             <a:endParaRPr lang="en-IN"/>
           </a:p>
@@ -1150,7 +1150,7 @@
           <a:p>
             <a:fld id="{A6FB7CFD-747D-4264-AF0B-13DB19625258}" type="datetimeFigureOut">
               <a:rPr lang="en-IN" smtClean="0"/>
-              <a:t>05-Mar-2022</a:t>
+              <a:t>09-03-2022</a:t>
             </a:fld>
             <a:endParaRPr lang="en-IN"/>
           </a:p>
@@ -1418,7 +1418,7 @@
           <a:p>
             <a:fld id="{A6FB7CFD-747D-4264-AF0B-13DB19625258}" type="datetimeFigureOut">
               <a:rPr lang="en-IN" smtClean="0"/>
-              <a:t>05-Mar-2022</a:t>
+              <a:t>09-03-2022</a:t>
             </a:fld>
             <a:endParaRPr lang="en-IN"/>
           </a:p>
@@ -1833,7 +1833,7 @@
           <a:p>
             <a:fld id="{A6FB7CFD-747D-4264-AF0B-13DB19625258}" type="datetimeFigureOut">
               <a:rPr lang="en-IN" smtClean="0"/>
-              <a:t>05-Mar-2022</a:t>
+              <a:t>09-03-2022</a:t>
             </a:fld>
             <a:endParaRPr lang="en-IN"/>
           </a:p>
@@ -1975,7 +1975,7 @@
           <a:p>
             <a:fld id="{A6FB7CFD-747D-4264-AF0B-13DB19625258}" type="datetimeFigureOut">
               <a:rPr lang="en-IN" smtClean="0"/>
-              <a:t>05-Mar-2022</a:t>
+              <a:t>09-03-2022</a:t>
             </a:fld>
             <a:endParaRPr lang="en-IN"/>
           </a:p>
@@ -2088,7 +2088,7 @@
           <a:p>
             <a:fld id="{A6FB7CFD-747D-4264-AF0B-13DB19625258}" type="datetimeFigureOut">
               <a:rPr lang="en-IN" smtClean="0"/>
-              <a:t>05-Mar-2022</a:t>
+              <a:t>09-03-2022</a:t>
             </a:fld>
             <a:endParaRPr lang="en-IN"/>
           </a:p>
@@ -2401,7 +2401,7 @@
           <a:p>
             <a:fld id="{A6FB7CFD-747D-4264-AF0B-13DB19625258}" type="datetimeFigureOut">
               <a:rPr lang="en-IN" smtClean="0"/>
-              <a:t>05-Mar-2022</a:t>
+              <a:t>09-03-2022</a:t>
             </a:fld>
             <a:endParaRPr lang="en-IN"/>
           </a:p>
@@ -2690,7 +2690,7 @@
           <a:p>
             <a:fld id="{A6FB7CFD-747D-4264-AF0B-13DB19625258}" type="datetimeFigureOut">
               <a:rPr lang="en-IN" smtClean="0"/>
-              <a:t>05-Mar-2022</a:t>
+              <a:t>09-03-2022</a:t>
             </a:fld>
             <a:endParaRPr lang="en-IN"/>
           </a:p>
@@ -2933,7 +2933,7 @@
           <a:p>
             <a:fld id="{A6FB7CFD-747D-4264-AF0B-13DB19625258}" type="datetimeFigureOut">
               <a:rPr lang="en-IN" smtClean="0"/>
-              <a:t>05-Mar-2022</a:t>
+              <a:t>09-03-2022</a:t>
             </a:fld>
             <a:endParaRPr lang="en-IN"/>
           </a:p>
